--- a/Miniposter/Miniposter.pptx
+++ b/Miniposter/Miniposter.pptx
@@ -4429,66 +4429,6 @@
           </p:spPr>
         </p:pic>
       </p:grpSp>
-      <p:pic>
-        <p:nvPicPr>
-          <p:cNvPr id="6" name="Grafik 5">
-            <a:extLst>
-              <a:ext uri="{FF2B5EF4-FFF2-40B4-BE49-F238E27FC236}">
-                <a16:creationId xmlns:a16="http://schemas.microsoft.com/office/drawing/2014/main" id="{D0539FC1-1585-7048-A878-1CF7C2EC0B31}"/>
-              </a:ext>
-            </a:extLst>
-          </p:cNvPr>
-          <p:cNvPicPr>
-            <a:picLocks noChangeAspect="1"/>
-          </p:cNvPicPr>
-          <p:nvPr/>
-        </p:nvPicPr>
-        <p:blipFill>
-          <a:blip r:embed="rId9"/>
-          <a:stretch>
-            <a:fillRect/>
-          </a:stretch>
-        </p:blipFill>
-        <p:spPr>
-          <a:xfrm>
-            <a:off x="2430463" y="18684081"/>
-            <a:ext cx="8845103" cy="6539328"/>
-          </a:xfrm>
-          <a:prstGeom prst="rect">
-            <a:avLst/>
-          </a:prstGeom>
-        </p:spPr>
-      </p:pic>
-      <p:pic>
-        <p:nvPicPr>
-          <p:cNvPr id="7" name="Grafik 6">
-            <a:extLst>
-              <a:ext uri="{FF2B5EF4-FFF2-40B4-BE49-F238E27FC236}">
-                <a16:creationId xmlns:a16="http://schemas.microsoft.com/office/drawing/2014/main" id="{5FF35A3F-6A5F-7B43-8E54-9E3E44180740}"/>
-              </a:ext>
-            </a:extLst>
-          </p:cNvPr>
-          <p:cNvPicPr>
-            <a:picLocks noChangeAspect="1"/>
-          </p:cNvPicPr>
-          <p:nvPr/>
-        </p:nvPicPr>
-        <p:blipFill>
-          <a:blip r:embed="rId10"/>
-          <a:stretch>
-            <a:fillRect/>
-          </a:stretch>
-        </p:blipFill>
-        <p:spPr>
-          <a:xfrm>
-            <a:off x="2336850" y="25954956"/>
-            <a:ext cx="9032327" cy="5478805"/>
-          </a:xfrm>
-          <a:prstGeom prst="rect">
-            <a:avLst/>
-          </a:prstGeom>
-        </p:spPr>
-      </p:pic>
       <p:grpSp>
         <p:nvGrpSpPr>
           <p:cNvPr id="34" name="Gruppieren 33">
@@ -4524,7 +4464,7 @@
             <p:nvPr/>
           </p:nvPicPr>
           <p:blipFill>
-            <a:blip r:embed="rId11"/>
+            <a:blip r:embed="rId9"/>
             <a:stretch>
               <a:fillRect/>
             </a:stretch>
@@ -4554,7 +4494,7 @@
             <p:nvPr/>
           </p:nvPicPr>
           <p:blipFill>
-            <a:blip r:embed="rId12"/>
+            <a:blip r:embed="rId10"/>
             <a:stretch>
               <a:fillRect/>
             </a:stretch>
@@ -4584,7 +4524,7 @@
             <p:nvPr/>
           </p:nvPicPr>
           <p:blipFill>
-            <a:blip r:embed="rId13"/>
+            <a:blip r:embed="rId11"/>
             <a:stretch>
               <a:fillRect/>
             </a:stretch>
@@ -4979,7 +4919,7 @@
             <p:nvPr/>
           </p:nvPicPr>
           <p:blipFill>
-            <a:blip r:embed="rId14"/>
+            <a:blip r:embed="rId12"/>
             <a:stretch>
               <a:fillRect/>
             </a:stretch>
@@ -5009,7 +4949,7 @@
             <p:nvPr/>
           </p:nvPicPr>
           <p:blipFill>
-            <a:blip r:embed="rId15"/>
+            <a:blip r:embed="rId13"/>
             <a:stretch>
               <a:fillRect/>
             </a:stretch>
@@ -5039,7 +4979,7 @@
             <p:nvPr/>
           </p:nvPicPr>
           <p:blipFill>
-            <a:blip r:embed="rId16"/>
+            <a:blip r:embed="rId14"/>
             <a:stretch>
               <a:fillRect/>
             </a:stretch>
@@ -5241,7 +5181,7 @@
           <p:nvPr/>
         </p:nvPicPr>
         <p:blipFill rotWithShape="1">
-          <a:blip r:embed="rId17">
+          <a:blip r:embed="rId15">
             <a:extLst>
               <a:ext uri="{28A0092B-C50C-407E-A947-70E740481C1C}">
                 <a14:useLocalDpi xmlns:a14="http://schemas.microsoft.com/office/drawing/2010/main" val="0"/>
@@ -5255,6 +5195,66 @@
           <a:xfrm>
             <a:off x="12852349" y="25782709"/>
             <a:ext cx="12782868" cy="4309249"/>
+          </a:xfrm>
+          <a:prstGeom prst="rect">
+            <a:avLst/>
+          </a:prstGeom>
+        </p:spPr>
+      </p:pic>
+      <p:pic>
+        <p:nvPicPr>
+          <p:cNvPr id="8" name="Grafik 7">
+            <a:extLst>
+              <a:ext uri="{FF2B5EF4-FFF2-40B4-BE49-F238E27FC236}">
+                <a16:creationId xmlns:a16="http://schemas.microsoft.com/office/drawing/2014/main" id="{0355D9FD-4846-6046-B7FD-C990F773E928}"/>
+              </a:ext>
+            </a:extLst>
+          </p:cNvPr>
+          <p:cNvPicPr>
+            <a:picLocks noChangeAspect="1"/>
+          </p:cNvPicPr>
+          <p:nvPr/>
+        </p:nvPicPr>
+        <p:blipFill>
+          <a:blip r:embed="rId16"/>
+          <a:stretch>
+            <a:fillRect/>
+          </a:stretch>
+        </p:blipFill>
+        <p:spPr>
+          <a:xfrm>
+            <a:off x="2430463" y="18684081"/>
+            <a:ext cx="9036022" cy="6680478"/>
+          </a:xfrm>
+          <a:prstGeom prst="rect">
+            <a:avLst/>
+          </a:prstGeom>
+        </p:spPr>
+      </p:pic>
+      <p:pic>
+        <p:nvPicPr>
+          <p:cNvPr id="9" name="Grafik 8">
+            <a:extLst>
+              <a:ext uri="{FF2B5EF4-FFF2-40B4-BE49-F238E27FC236}">
+                <a16:creationId xmlns:a16="http://schemas.microsoft.com/office/drawing/2014/main" id="{1F72B36B-20DF-6D4D-9F66-74500E5340EE}"/>
+              </a:ext>
+            </a:extLst>
+          </p:cNvPr>
+          <p:cNvPicPr>
+            <a:picLocks noChangeAspect="1"/>
+          </p:cNvPicPr>
+          <p:nvPr/>
+        </p:nvPicPr>
+        <p:blipFill>
+          <a:blip r:embed="rId17"/>
+          <a:stretch>
+            <a:fillRect/>
+          </a:stretch>
+        </p:blipFill>
+        <p:spPr>
+          <a:xfrm>
+            <a:off x="2478088" y="26154314"/>
+            <a:ext cx="8228029" cy="5421880"/>
           </a:xfrm>
           <a:prstGeom prst="rect">
             <a:avLst/>
